--- a/New patient wireframe.pptx
+++ b/New patient wireframe.pptx
@@ -110,6 +110,11 @@
       </a:defRPr>
     </a:lvl9pPr>
   </p:defaultTextStyle>
+  <p:extLst>
+    <p:ext uri="{EFAFB233-063F-42B5-8137-9DF3F51BA10A}">
+      <p15:sldGuideLst xmlns:p15="http://schemas.microsoft.com/office/powerpoint/2012/main"/>
+    </p:ext>
+  </p:extLst>
 </p:presentation>
 </file>
 
@@ -3710,7 +3715,7 @@
         </p:nvSpPr>
         <p:spPr>
           <a:xfrm>
-            <a:off x="258132" y="227506"/>
+            <a:off x="258132" y="218756"/>
             <a:ext cx="11690320" cy="6383300"/>
           </a:xfrm>
           <a:prstGeom prst="rect">
@@ -4353,6 +4358,55 @@
           </a:p>
         </p:txBody>
       </p:sp>
+      <p:sp>
+        <p:nvSpPr>
+          <p:cNvPr id="5" name="Rectangle 4">
+            <a:extLst>
+              <a:ext uri="{FF2B5EF4-FFF2-40B4-BE49-F238E27FC236}">
+                <a16:creationId xmlns:a16="http://schemas.microsoft.com/office/drawing/2014/main" id="{01976617-08AC-4E4E-FA83-4B355977CB26}"/>
+              </a:ext>
+            </a:extLst>
+          </p:cNvPr>
+          <p:cNvSpPr/>
+          <p:nvPr/>
+        </p:nvSpPr>
+        <p:spPr>
+          <a:xfrm>
+            <a:off x="3456344" y="1312745"/>
+            <a:ext cx="5293895" cy="393760"/>
+          </a:xfrm>
+          <a:prstGeom prst="rect">
+            <a:avLst/>
+          </a:prstGeom>
+        </p:spPr>
+        <p:style>
+          <a:lnRef idx="2">
+            <a:schemeClr val="accent1">
+              <a:shade val="50000"/>
+            </a:schemeClr>
+          </a:lnRef>
+          <a:fillRef idx="1">
+            <a:schemeClr val="accent1"/>
+          </a:fillRef>
+          <a:effectRef idx="0">
+            <a:schemeClr val="accent1"/>
+          </a:effectRef>
+          <a:fontRef idx="minor">
+            <a:schemeClr val="lt1"/>
+          </a:fontRef>
+        </p:style>
+        <p:txBody>
+          <a:bodyPr rtlCol="0" anchor="ctr"/>
+          <a:lstStyle/>
+          <a:p>
+            <a:pPr algn="ctr"/>
+            <a:r>
+              <a:rPr lang="en-AU" dirty="0"/>
+              <a:t>Confirm your details</a:t>
+            </a:r>
+          </a:p>
+        </p:txBody>
+      </p:sp>
     </p:spTree>
     <p:extLst>
       <p:ext uri="{BB962C8B-B14F-4D97-AF65-F5344CB8AC3E}">

--- a/New patient wireframe.pptx
+++ b/New patient wireframe.pptx
@@ -3938,14 +3938,14 @@
           <p:nvPr>
             <p:extLst>
               <p:ext uri="{D42A27DB-BD31-4B8C-83A1-F6EECF244321}">
-                <p14:modId xmlns:p14="http://schemas.microsoft.com/office/powerpoint/2010/main" val="2827301457"/>
+                <p14:modId xmlns:p14="http://schemas.microsoft.com/office/powerpoint/2010/main" val="873182509"/>
               </p:ext>
             </p:extLst>
           </p:nvPr>
         </p:nvGraphicFramePr>
         <p:xfrm>
           <a:off x="497307" y="2008183"/>
-          <a:ext cx="11210513" cy="3972560"/>
+          <a:ext cx="11210513" cy="3963005"/>
         </p:xfrm>
         <a:graphic>
           <a:graphicData uri="http://schemas.openxmlformats.org/drawingml/2006/table">
@@ -4021,10 +4021,7 @@
                     <a:bodyPr/>
                     <a:lstStyle/>
                     <a:p>
-                      <a:r>
-                        <a:rPr lang="en-AU" sz="1800" dirty="0"/>
-                        <a:t>Your family name</a:t>
-                      </a:r>
+                      <a:endParaRPr lang="en-AU" sz="1800" dirty="0"/>
                     </a:p>
                   </a:txBody>
                   <a:tcPr/>
@@ -4054,10 +4051,7 @@
                     <a:bodyPr/>
                     <a:lstStyle/>
                     <a:p>
-                      <a:r>
-                        <a:rPr lang="en-AU" sz="1800" dirty="0"/>
-                        <a:t>Your given names</a:t>
-                      </a:r>
+                      <a:endParaRPr lang="en-AU" sz="1800" dirty="0"/>
                     </a:p>
                   </a:txBody>
                   <a:tcPr/>
@@ -4087,10 +4081,7 @@
                     <a:bodyPr/>
                     <a:lstStyle/>
                     <a:p>
-                      <a:r>
-                        <a:rPr lang="en-AU" sz="1800" dirty="0"/>
-                        <a:t>09/09/2009</a:t>
-                      </a:r>
+                      <a:endParaRPr lang="en-AU" sz="1800" dirty="0"/>
                     </a:p>
                   </a:txBody>
                   <a:tcPr/>
@@ -4101,7 +4092,7 @@
                   </a:ext>
                 </a:extLst>
               </a:tr>
-              <a:tr h="370840">
+              <a:tr h="630525">
                 <a:tc>
                   <a:txBody>
                     <a:bodyPr/>
@@ -4120,16 +4111,7 @@
                     <a:bodyPr/>
                     <a:lstStyle/>
                     <a:p>
-                      <a:r>
-                        <a:rPr lang="en-AU" sz="1800" dirty="0"/>
-                        <a:t>Streat number street name, unit number</a:t>
-                      </a:r>
-                    </a:p>
-                    <a:p>
-                      <a:r>
-                        <a:rPr lang="en-AU" sz="1800" dirty="0"/>
-                        <a:t>City, State, Code</a:t>
-                      </a:r>
+                      <a:endParaRPr lang="en-AU" sz="1800" dirty="0"/>
                     </a:p>
                   </a:txBody>
                   <a:tcPr/>
@@ -4159,10 +4141,7 @@
                     <a:bodyPr/>
                     <a:lstStyle/>
                     <a:p>
-                      <a:r>
-                        <a:rPr lang="en-AU" sz="1800" dirty="0"/>
-                        <a:t>your@email.com</a:t>
-                      </a:r>
+                      <a:endParaRPr lang="en-AU" sz="1800" dirty="0"/>
                     </a:p>
                   </a:txBody>
                   <a:tcPr/>
@@ -4192,10 +4171,7 @@
                     <a:bodyPr/>
                     <a:lstStyle/>
                     <a:p>
-                      <a:r>
-                        <a:rPr lang="en-AU" sz="1800" dirty="0"/>
-                        <a:t>9989898989</a:t>
-                      </a:r>
+                      <a:endParaRPr lang="en-AU" sz="1800" dirty="0"/>
                     </a:p>
                   </a:txBody>
                   <a:tcPr/>
@@ -4225,10 +4201,7 @@
                     <a:bodyPr/>
                     <a:lstStyle/>
                     <a:p>
-                      <a:r>
-                        <a:rPr lang="en-AU" sz="1800" dirty="0"/>
-                        <a:t>M/F/Q/MTF/FTM/Decline</a:t>
-                      </a:r>
+                      <a:endParaRPr lang="en-AU" sz="1800" dirty="0"/>
                     </a:p>
                   </a:txBody>
                   <a:tcPr/>
@@ -4258,10 +4231,7 @@
                     <a:bodyPr/>
                     <a:lstStyle/>
                     <a:p>
-                      <a:r>
-                        <a:rPr lang="en-AU" sz="1800" dirty="0"/>
-                        <a:t>She/her/hers, He/him/his, They/them/theirs, Other</a:t>
-                      </a:r>
+                      <a:endParaRPr lang="en-AU" sz="1800" dirty="0"/>
                     </a:p>
                   </a:txBody>
                   <a:tcPr/>
@@ -4402,7 +4372,381 @@
             <a:pPr algn="ctr"/>
             <a:r>
               <a:rPr lang="en-AU" dirty="0"/>
-              <a:t>Confirm your details</a:t>
+              <a:t>Edit/Confirm your details</a:t>
+            </a:r>
+          </a:p>
+        </p:txBody>
+      </p:sp>
+      <p:sp>
+        <p:nvSpPr>
+          <p:cNvPr id="6" name="Rectangle 5">
+            <a:extLst>
+              <a:ext uri="{FF2B5EF4-FFF2-40B4-BE49-F238E27FC236}">
+                <a16:creationId xmlns:a16="http://schemas.microsoft.com/office/drawing/2014/main" id="{3FF77420-EA7B-B941-CA43-47B647131078}"/>
+              </a:ext>
+            </a:extLst>
+          </p:cNvPr>
+          <p:cNvSpPr/>
+          <p:nvPr/>
+        </p:nvSpPr>
+        <p:spPr>
+          <a:xfrm>
+            <a:off x="3832604" y="2437366"/>
+            <a:ext cx="7660835" cy="253545"/>
+          </a:xfrm>
+          <a:prstGeom prst="rect">
+            <a:avLst/>
+          </a:prstGeom>
+        </p:spPr>
+        <p:style>
+          <a:lnRef idx="2">
+            <a:schemeClr val="dk1"/>
+          </a:lnRef>
+          <a:fillRef idx="1">
+            <a:schemeClr val="lt1"/>
+          </a:fillRef>
+          <a:effectRef idx="0">
+            <a:schemeClr val="dk1"/>
+          </a:effectRef>
+          <a:fontRef idx="minor">
+            <a:schemeClr val="dk1"/>
+          </a:fontRef>
+        </p:style>
+        <p:txBody>
+          <a:bodyPr rtlCol="0" anchor="ctr"/>
+          <a:lstStyle/>
+          <a:p>
+            <a:r>
+              <a:rPr lang="en-AU" dirty="0"/>
+              <a:t>Your family name</a:t>
+            </a:r>
+          </a:p>
+        </p:txBody>
+      </p:sp>
+      <p:sp>
+        <p:nvSpPr>
+          <p:cNvPr id="10" name="Rectangle 9">
+            <a:extLst>
+              <a:ext uri="{FF2B5EF4-FFF2-40B4-BE49-F238E27FC236}">
+                <a16:creationId xmlns:a16="http://schemas.microsoft.com/office/drawing/2014/main" id="{18B53CB9-9BED-16C4-019C-DC90DEA2E937}"/>
+              </a:ext>
+            </a:extLst>
+          </p:cNvPr>
+          <p:cNvSpPr/>
+          <p:nvPr/>
+        </p:nvSpPr>
+        <p:spPr>
+          <a:xfrm>
+            <a:off x="3832601" y="2800588"/>
+            <a:ext cx="7660835" cy="253545"/>
+          </a:xfrm>
+          <a:prstGeom prst="rect">
+            <a:avLst/>
+          </a:prstGeom>
+        </p:spPr>
+        <p:style>
+          <a:lnRef idx="2">
+            <a:schemeClr val="dk1"/>
+          </a:lnRef>
+          <a:fillRef idx="1">
+            <a:schemeClr val="lt1"/>
+          </a:fillRef>
+          <a:effectRef idx="0">
+            <a:schemeClr val="dk1"/>
+          </a:effectRef>
+          <a:fontRef idx="minor">
+            <a:schemeClr val="dk1"/>
+          </a:fontRef>
+        </p:style>
+        <p:txBody>
+          <a:bodyPr rtlCol="0" anchor="ctr"/>
+          <a:lstStyle/>
+          <a:p>
+            <a:r>
+              <a:rPr lang="en-AU" sz="1800" dirty="0"/>
+              <a:t>Your given names</a:t>
+            </a:r>
+          </a:p>
+        </p:txBody>
+      </p:sp>
+      <p:sp>
+        <p:nvSpPr>
+          <p:cNvPr id="11" name="Rectangle 10">
+            <a:extLst>
+              <a:ext uri="{FF2B5EF4-FFF2-40B4-BE49-F238E27FC236}">
+                <a16:creationId xmlns:a16="http://schemas.microsoft.com/office/drawing/2014/main" id="{A4B6FBED-8582-E7A7-5D54-5668E476344A}"/>
+              </a:ext>
+            </a:extLst>
+          </p:cNvPr>
+          <p:cNvSpPr/>
+          <p:nvPr/>
+        </p:nvSpPr>
+        <p:spPr>
+          <a:xfrm>
+            <a:off x="3832601" y="4183598"/>
+            <a:ext cx="7660835" cy="253545"/>
+          </a:xfrm>
+          <a:prstGeom prst="rect">
+            <a:avLst/>
+          </a:prstGeom>
+        </p:spPr>
+        <p:style>
+          <a:lnRef idx="2">
+            <a:schemeClr val="dk1"/>
+          </a:lnRef>
+          <a:fillRef idx="1">
+            <a:schemeClr val="lt1"/>
+          </a:fillRef>
+          <a:effectRef idx="0">
+            <a:schemeClr val="dk1"/>
+          </a:effectRef>
+          <a:fontRef idx="minor">
+            <a:schemeClr val="dk1"/>
+          </a:fontRef>
+        </p:style>
+        <p:txBody>
+          <a:bodyPr rtlCol="0" anchor="ctr"/>
+          <a:lstStyle/>
+          <a:p>
+            <a:r>
+              <a:rPr lang="en-AU" sz="1800" dirty="0"/>
+              <a:t>your@email.com</a:t>
+            </a:r>
+          </a:p>
+        </p:txBody>
+      </p:sp>
+      <p:sp>
+        <p:nvSpPr>
+          <p:cNvPr id="12" name="Rectangle 11">
+            <a:extLst>
+              <a:ext uri="{FF2B5EF4-FFF2-40B4-BE49-F238E27FC236}">
+                <a16:creationId xmlns:a16="http://schemas.microsoft.com/office/drawing/2014/main" id="{CE4899B9-5220-C7DE-C507-CCD773A1BDBE}"/>
+              </a:ext>
+            </a:extLst>
+          </p:cNvPr>
+          <p:cNvSpPr/>
+          <p:nvPr/>
+        </p:nvSpPr>
+        <p:spPr>
+          <a:xfrm>
+            <a:off x="3832602" y="4557455"/>
+            <a:ext cx="7660835" cy="253545"/>
+          </a:xfrm>
+          <a:prstGeom prst="rect">
+            <a:avLst/>
+          </a:prstGeom>
+        </p:spPr>
+        <p:style>
+          <a:lnRef idx="2">
+            <a:schemeClr val="dk1"/>
+          </a:lnRef>
+          <a:fillRef idx="1">
+            <a:schemeClr val="lt1"/>
+          </a:fillRef>
+          <a:effectRef idx="0">
+            <a:schemeClr val="dk1"/>
+          </a:effectRef>
+          <a:fontRef idx="minor">
+            <a:schemeClr val="dk1"/>
+          </a:fontRef>
+        </p:style>
+        <p:txBody>
+          <a:bodyPr rtlCol="0" anchor="ctr"/>
+          <a:lstStyle/>
+          <a:p>
+            <a:r>
+              <a:rPr lang="en-AU" sz="1800" dirty="0"/>
+              <a:t>9989898989</a:t>
+            </a:r>
+          </a:p>
+        </p:txBody>
+      </p:sp>
+      <p:sp>
+        <p:nvSpPr>
+          <p:cNvPr id="13" name="Rectangle 12">
+            <a:extLst>
+              <a:ext uri="{FF2B5EF4-FFF2-40B4-BE49-F238E27FC236}">
+                <a16:creationId xmlns:a16="http://schemas.microsoft.com/office/drawing/2014/main" id="{BCB50EF6-4C1E-9937-2430-013AE3DB88A7}"/>
+              </a:ext>
+            </a:extLst>
+          </p:cNvPr>
+          <p:cNvSpPr/>
+          <p:nvPr/>
+        </p:nvSpPr>
+        <p:spPr>
+          <a:xfrm>
+            <a:off x="3832603" y="4931312"/>
+            <a:ext cx="7660835" cy="253545"/>
+          </a:xfrm>
+          <a:prstGeom prst="rect">
+            <a:avLst/>
+          </a:prstGeom>
+        </p:spPr>
+        <p:style>
+          <a:lnRef idx="2">
+            <a:schemeClr val="dk1"/>
+          </a:lnRef>
+          <a:fillRef idx="1">
+            <a:schemeClr val="lt1"/>
+          </a:fillRef>
+          <a:effectRef idx="0">
+            <a:schemeClr val="dk1"/>
+          </a:effectRef>
+          <a:fontRef idx="minor">
+            <a:schemeClr val="dk1"/>
+          </a:fontRef>
+        </p:style>
+        <p:txBody>
+          <a:bodyPr rtlCol="0" anchor="ctr"/>
+          <a:lstStyle/>
+          <a:p>
+            <a:r>
+              <a:rPr lang="en-AU" sz="1800" dirty="0"/>
+              <a:t>M/F/Q/MTF/FTM/Decline</a:t>
+            </a:r>
+          </a:p>
+        </p:txBody>
+      </p:sp>
+      <p:sp>
+        <p:nvSpPr>
+          <p:cNvPr id="14" name="Rectangle 13">
+            <a:extLst>
+              <a:ext uri="{FF2B5EF4-FFF2-40B4-BE49-F238E27FC236}">
+                <a16:creationId xmlns:a16="http://schemas.microsoft.com/office/drawing/2014/main" id="{DAF04046-D2A5-66E8-6456-72056F01883F}"/>
+              </a:ext>
+            </a:extLst>
+          </p:cNvPr>
+          <p:cNvSpPr/>
+          <p:nvPr/>
+        </p:nvSpPr>
+        <p:spPr>
+          <a:xfrm>
+            <a:off x="3832603" y="5294534"/>
+            <a:ext cx="7660835" cy="253545"/>
+          </a:xfrm>
+          <a:prstGeom prst="rect">
+            <a:avLst/>
+          </a:prstGeom>
+        </p:spPr>
+        <p:style>
+          <a:lnRef idx="2">
+            <a:schemeClr val="dk1"/>
+          </a:lnRef>
+          <a:fillRef idx="1">
+            <a:schemeClr val="lt1"/>
+          </a:fillRef>
+          <a:effectRef idx="0">
+            <a:schemeClr val="dk1"/>
+          </a:effectRef>
+          <a:fontRef idx="minor">
+            <a:schemeClr val="dk1"/>
+          </a:fontRef>
+        </p:style>
+        <p:txBody>
+          <a:bodyPr rtlCol="0" anchor="ctr"/>
+          <a:lstStyle/>
+          <a:p>
+            <a:r>
+              <a:rPr lang="en-AU" sz="1800" dirty="0"/>
+              <a:t>She/her/hers, He/him/his, They/them/theirs, Other</a:t>
+            </a:r>
+          </a:p>
+        </p:txBody>
+      </p:sp>
+      <p:sp>
+        <p:nvSpPr>
+          <p:cNvPr id="15" name="Rectangle 14">
+            <a:extLst>
+              <a:ext uri="{FF2B5EF4-FFF2-40B4-BE49-F238E27FC236}">
+                <a16:creationId xmlns:a16="http://schemas.microsoft.com/office/drawing/2014/main" id="{D2E8E426-EF97-381C-AE81-0A69F126DB25}"/>
+              </a:ext>
+            </a:extLst>
+          </p:cNvPr>
+          <p:cNvSpPr/>
+          <p:nvPr/>
+        </p:nvSpPr>
+        <p:spPr>
+          <a:xfrm>
+            <a:off x="3832600" y="3164940"/>
+            <a:ext cx="7660835" cy="253545"/>
+          </a:xfrm>
+          <a:prstGeom prst="rect">
+            <a:avLst/>
+          </a:prstGeom>
+        </p:spPr>
+        <p:style>
+          <a:lnRef idx="2">
+            <a:schemeClr val="dk1"/>
+          </a:lnRef>
+          <a:fillRef idx="1">
+            <a:schemeClr val="lt1"/>
+          </a:fillRef>
+          <a:effectRef idx="0">
+            <a:schemeClr val="dk1"/>
+          </a:effectRef>
+          <a:fontRef idx="minor">
+            <a:schemeClr val="dk1"/>
+          </a:fontRef>
+        </p:style>
+        <p:txBody>
+          <a:bodyPr rtlCol="0" anchor="ctr"/>
+          <a:lstStyle/>
+          <a:p>
+            <a:r>
+              <a:rPr lang="en-AU" sz="1800" dirty="0"/>
+              <a:t>09/09/2009</a:t>
+            </a:r>
+          </a:p>
+        </p:txBody>
+      </p:sp>
+      <p:sp>
+        <p:nvSpPr>
+          <p:cNvPr id="16" name="Rectangle 15">
+            <a:extLst>
+              <a:ext uri="{FF2B5EF4-FFF2-40B4-BE49-F238E27FC236}">
+                <a16:creationId xmlns:a16="http://schemas.microsoft.com/office/drawing/2014/main" id="{96EEE294-E257-7099-B9F5-107640C5A7AD}"/>
+              </a:ext>
+            </a:extLst>
+          </p:cNvPr>
+          <p:cNvSpPr/>
+          <p:nvPr/>
+        </p:nvSpPr>
+        <p:spPr>
+          <a:xfrm>
+            <a:off x="3832600" y="3523936"/>
+            <a:ext cx="7660835" cy="529795"/>
+          </a:xfrm>
+          <a:prstGeom prst="rect">
+            <a:avLst/>
+          </a:prstGeom>
+        </p:spPr>
+        <p:style>
+          <a:lnRef idx="2">
+            <a:schemeClr val="dk1"/>
+          </a:lnRef>
+          <a:fillRef idx="1">
+            <a:schemeClr val="lt1"/>
+          </a:fillRef>
+          <a:effectRef idx="0">
+            <a:schemeClr val="dk1"/>
+          </a:effectRef>
+          <a:fontRef idx="minor">
+            <a:schemeClr val="dk1"/>
+          </a:fontRef>
+        </p:style>
+        <p:txBody>
+          <a:bodyPr rtlCol="0" anchor="ctr"/>
+          <a:lstStyle/>
+          <a:p>
+            <a:r>
+              <a:rPr lang="en-AU" sz="1800" dirty="0"/>
+              <a:t>Streat number street name, unit number</a:t>
+            </a:r>
+          </a:p>
+          <a:p>
+            <a:r>
+              <a:rPr lang="en-AU" sz="1800" dirty="0"/>
+              <a:t>City, State, Code</a:t>
             </a:r>
           </a:p>
         </p:txBody>
